--- a/2. Création de UI Elements/Création de UI Elements.pptx
+++ b/2. Création de UI Elements/Création de UI Elements.pptx
@@ -8912,7 +8912,7 @@
           <a:p>
             <a:fld id="{19EFAC04-27CA-498E-8382-096C1C3F4B09}" type="datetimeFigureOut">
               <a:rPr lang="fr-MA" smtClean="0"/>
-              <a:t>09/12/2019</a:t>
+              <a:t>10/12/2019</a:t>
             </a:fld>
             <a:endParaRPr lang="fr-MA"/>
           </a:p>
@@ -9119,7 +9119,7 @@
           <a:p>
             <a:fld id="{19EFAC04-27CA-498E-8382-096C1C3F4B09}" type="datetimeFigureOut">
               <a:rPr lang="fr-MA" smtClean="0"/>
-              <a:t>09/12/2019</a:t>
+              <a:t>10/12/2019</a:t>
             </a:fld>
             <a:endParaRPr lang="fr-MA"/>
           </a:p>
@@ -9299,7 +9299,7 @@
           <a:p>
             <a:fld id="{19EFAC04-27CA-498E-8382-096C1C3F4B09}" type="datetimeFigureOut">
               <a:rPr lang="fr-MA" smtClean="0"/>
-              <a:t>09/12/2019</a:t>
+              <a:t>10/12/2019</a:t>
             </a:fld>
             <a:endParaRPr lang="fr-MA"/>
           </a:p>
@@ -9504,7 +9504,7 @@
           <a:p>
             <a:fld id="{19EFAC04-27CA-498E-8382-096C1C3F4B09}" type="datetimeFigureOut">
               <a:rPr lang="fr-MA" smtClean="0"/>
-              <a:t>09/12/2019</a:t>
+              <a:t>10/12/2019</a:t>
             </a:fld>
             <a:endParaRPr lang="fr-MA"/>
           </a:p>
@@ -18402,7 +18402,7 @@
           <a:p>
             <a:fld id="{19EFAC04-27CA-498E-8382-096C1C3F4B09}" type="datetimeFigureOut">
               <a:rPr lang="fr-MA" smtClean="0"/>
-              <a:t>09/12/2019</a:t>
+              <a:t>10/12/2019</a:t>
             </a:fld>
             <a:endParaRPr lang="fr-MA"/>
           </a:p>
@@ -18676,7 +18676,7 @@
           <a:p>
             <a:fld id="{19EFAC04-27CA-498E-8382-096C1C3F4B09}" type="datetimeFigureOut">
               <a:rPr lang="fr-MA" smtClean="0"/>
-              <a:t>09/12/2019</a:t>
+              <a:t>10/12/2019</a:t>
             </a:fld>
             <a:endParaRPr lang="fr-MA"/>
           </a:p>
@@ -19074,7 +19074,7 @@
           <a:p>
             <a:fld id="{19EFAC04-27CA-498E-8382-096C1C3F4B09}" type="datetimeFigureOut">
               <a:rPr lang="fr-MA" smtClean="0"/>
-              <a:t>09/12/2019</a:t>
+              <a:t>10/12/2019</a:t>
             </a:fld>
             <a:endParaRPr lang="fr-MA"/>
           </a:p>
@@ -19192,7 +19192,7 @@
           <a:p>
             <a:fld id="{19EFAC04-27CA-498E-8382-096C1C3F4B09}" type="datetimeFigureOut">
               <a:rPr lang="fr-MA" smtClean="0"/>
-              <a:t>09/12/2019</a:t>
+              <a:t>10/12/2019</a:t>
             </a:fld>
             <a:endParaRPr lang="fr-MA"/>
           </a:p>
@@ -19287,7 +19287,7 @@
           <a:p>
             <a:fld id="{19EFAC04-27CA-498E-8382-096C1C3F4B09}" type="datetimeFigureOut">
               <a:rPr lang="fr-MA" smtClean="0"/>
-              <a:t>09/12/2019</a:t>
+              <a:t>10/12/2019</a:t>
             </a:fld>
             <a:endParaRPr lang="fr-MA"/>
           </a:p>
@@ -19577,7 +19577,7 @@
           <a:p>
             <a:fld id="{19EFAC04-27CA-498E-8382-096C1C3F4B09}" type="datetimeFigureOut">
               <a:rPr lang="fr-MA" smtClean="0"/>
-              <a:t>09/12/2019</a:t>
+              <a:t>10/12/2019</a:t>
             </a:fld>
             <a:endParaRPr lang="fr-MA"/>
           </a:p>
@@ -19857,7 +19857,7 @@
           <a:p>
             <a:fld id="{19EFAC04-27CA-498E-8382-096C1C3F4B09}" type="datetimeFigureOut">
               <a:rPr lang="fr-MA" smtClean="0"/>
-              <a:t>09/12/2019</a:t>
+              <a:t>10/12/2019</a:t>
             </a:fld>
             <a:endParaRPr lang="fr-MA"/>
           </a:p>
@@ -20107,7 +20107,7 @@
           <a:p>
             <a:fld id="{19EFAC04-27CA-498E-8382-096C1C3F4B09}" type="datetimeFigureOut">
               <a:rPr lang="fr-MA" smtClean="0"/>
-              <a:t>09/12/2019</a:t>
+              <a:t>10/12/2019</a:t>
             </a:fld>
             <a:endParaRPr lang="fr-MA"/>
           </a:p>
@@ -21511,7 +21511,7 @@
         <p:spPr>
           <a:xfrm>
             <a:off x="7537535" y="5938373"/>
-            <a:ext cx="4171719" cy="369332"/>
+            <a:ext cx="4283352" cy="369332"/>
           </a:xfrm>
           <a:prstGeom prst="rect">
             <a:avLst/>
@@ -21525,7 +21525,11 @@
           <a:p>
             <a:r>
               <a:rPr lang="fr-MA" dirty="0" smtClean="0"/>
-              <a:t>Photos disponibles dans le dossier Exercice</a:t>
+              <a:t>Photos disponibles dans le dossier </a:t>
+            </a:r>
+            <a:r>
+              <a:rPr lang="fr-MA" dirty="0" smtClean="0"/>
+              <a:t>Simulation</a:t>
             </a:r>
             <a:endParaRPr lang="fr-MA" dirty="0"/>
           </a:p>
@@ -21540,7 +21544,7 @@
         <p:spPr>
           <a:xfrm>
             <a:off x="1956619" y="2772697"/>
-            <a:ext cx="8278762" cy="369332"/>
+            <a:ext cx="8278762" cy="1200329"/>
           </a:xfrm>
           <a:prstGeom prst="rect">
             <a:avLst/>
@@ -21555,7 +21559,24 @@
           <a:p>
             <a:r>
               <a:rPr lang="fr-FR" dirty="0" smtClean="0"/>
-              <a:t>Dans cet exercice vous allez devoir créer </a:t>
+              <a:t>Une urgence s’est présenté dans votre entreprise. Le format PSD du UI Style Guide sur lequel on a passé une semaine a </a:t>
+            </a:r>
+            <a:r>
+              <a:rPr lang="fr-FR" dirty="0" err="1" smtClean="0"/>
+              <a:t>pofinné</a:t>
+            </a:r>
+            <a:r>
+              <a:rPr lang="fr-FR" dirty="0" smtClean="0"/>
+              <a:t> a disparu.</a:t>
+            </a:r>
+          </a:p>
+          <a:p>
+            <a:endParaRPr lang="fr-FR" dirty="0"/>
+          </a:p>
+          <a:p>
+            <a:r>
+              <a:rPr lang="fr-FR" dirty="0" smtClean="0"/>
+              <a:t>Reproduisez le même UI à partir d’un format JPEG.</a:t>
             </a:r>
             <a:endParaRPr lang="fr-MA" dirty="0"/>
           </a:p>

--- a/2. Création de UI Elements/Création de UI Elements.pptx
+++ b/2. Création de UI Elements/Création de UI Elements.pptx
@@ -8912,7 +8912,7 @@
           <a:p>
             <a:fld id="{19EFAC04-27CA-498E-8382-096C1C3F4B09}" type="datetimeFigureOut">
               <a:rPr lang="fr-MA" smtClean="0"/>
-              <a:t>10/12/2019</a:t>
+              <a:t>11/12/2019</a:t>
             </a:fld>
             <a:endParaRPr lang="fr-MA"/>
           </a:p>
@@ -9119,7 +9119,7 @@
           <a:p>
             <a:fld id="{19EFAC04-27CA-498E-8382-096C1C3F4B09}" type="datetimeFigureOut">
               <a:rPr lang="fr-MA" smtClean="0"/>
-              <a:t>10/12/2019</a:t>
+              <a:t>11/12/2019</a:t>
             </a:fld>
             <a:endParaRPr lang="fr-MA"/>
           </a:p>
@@ -9299,7 +9299,7 @@
           <a:p>
             <a:fld id="{19EFAC04-27CA-498E-8382-096C1C3F4B09}" type="datetimeFigureOut">
               <a:rPr lang="fr-MA" smtClean="0"/>
-              <a:t>10/12/2019</a:t>
+              <a:t>11/12/2019</a:t>
             </a:fld>
             <a:endParaRPr lang="fr-MA"/>
           </a:p>
@@ -9504,7 +9504,7 @@
           <a:p>
             <a:fld id="{19EFAC04-27CA-498E-8382-096C1C3F4B09}" type="datetimeFigureOut">
               <a:rPr lang="fr-MA" smtClean="0"/>
-              <a:t>10/12/2019</a:t>
+              <a:t>11/12/2019</a:t>
             </a:fld>
             <a:endParaRPr lang="fr-MA"/>
           </a:p>
@@ -18402,7 +18402,7 @@
           <a:p>
             <a:fld id="{19EFAC04-27CA-498E-8382-096C1C3F4B09}" type="datetimeFigureOut">
               <a:rPr lang="fr-MA" smtClean="0"/>
-              <a:t>10/12/2019</a:t>
+              <a:t>11/12/2019</a:t>
             </a:fld>
             <a:endParaRPr lang="fr-MA"/>
           </a:p>
@@ -18676,7 +18676,7 @@
           <a:p>
             <a:fld id="{19EFAC04-27CA-498E-8382-096C1C3F4B09}" type="datetimeFigureOut">
               <a:rPr lang="fr-MA" smtClean="0"/>
-              <a:t>10/12/2019</a:t>
+              <a:t>11/12/2019</a:t>
             </a:fld>
             <a:endParaRPr lang="fr-MA"/>
           </a:p>
@@ -19074,7 +19074,7 @@
           <a:p>
             <a:fld id="{19EFAC04-27CA-498E-8382-096C1C3F4B09}" type="datetimeFigureOut">
               <a:rPr lang="fr-MA" smtClean="0"/>
-              <a:t>10/12/2019</a:t>
+              <a:t>11/12/2019</a:t>
             </a:fld>
             <a:endParaRPr lang="fr-MA"/>
           </a:p>
@@ -19192,7 +19192,7 @@
           <a:p>
             <a:fld id="{19EFAC04-27CA-498E-8382-096C1C3F4B09}" type="datetimeFigureOut">
               <a:rPr lang="fr-MA" smtClean="0"/>
-              <a:t>10/12/2019</a:t>
+              <a:t>11/12/2019</a:t>
             </a:fld>
             <a:endParaRPr lang="fr-MA"/>
           </a:p>
@@ -19287,7 +19287,7 @@
           <a:p>
             <a:fld id="{19EFAC04-27CA-498E-8382-096C1C3F4B09}" type="datetimeFigureOut">
               <a:rPr lang="fr-MA" smtClean="0"/>
-              <a:t>10/12/2019</a:t>
+              <a:t>11/12/2019</a:t>
             </a:fld>
             <a:endParaRPr lang="fr-MA"/>
           </a:p>
@@ -19577,7 +19577,7 @@
           <a:p>
             <a:fld id="{19EFAC04-27CA-498E-8382-096C1C3F4B09}" type="datetimeFigureOut">
               <a:rPr lang="fr-MA" smtClean="0"/>
-              <a:t>10/12/2019</a:t>
+              <a:t>11/12/2019</a:t>
             </a:fld>
             <a:endParaRPr lang="fr-MA"/>
           </a:p>
@@ -19857,7 +19857,7 @@
           <a:p>
             <a:fld id="{19EFAC04-27CA-498E-8382-096C1C3F4B09}" type="datetimeFigureOut">
               <a:rPr lang="fr-MA" smtClean="0"/>
-              <a:t>10/12/2019</a:t>
+              <a:t>11/12/2019</a:t>
             </a:fld>
             <a:endParaRPr lang="fr-MA"/>
           </a:p>
@@ -20107,7 +20107,7 @@
           <a:p>
             <a:fld id="{19EFAC04-27CA-498E-8382-096C1C3F4B09}" type="datetimeFigureOut">
               <a:rPr lang="fr-MA" smtClean="0"/>
-              <a:t>10/12/2019</a:t>
+              <a:t>11/12/2019</a:t>
             </a:fld>
             <a:endParaRPr lang="fr-MA"/>
           </a:p>
@@ -20812,9 +20812,10 @@
               <a:buAutoNum type="arabicPeriod"/>
             </a:pPr>
             <a:r>
-              <a:rPr lang="fr-MA" dirty="0" smtClean="0"/>
-              <a:t>Atelier</a:t>
+              <a:rPr lang="fr-FR" dirty="0"/>
+              <a:t>Remise de votre travail</a:t>
             </a:r>
+            <a:endParaRPr lang="fr-MA" dirty="0" smtClean="0"/>
           </a:p>
         </p:txBody>
       </p:sp>
@@ -21496,7 +21497,7 @@
           <a:p>
             <a:r>
               <a:rPr lang="fr-FR" dirty="0" smtClean="0"/>
-              <a:t>Atelier</a:t>
+              <a:t>Remise de votre travail</a:t>
             </a:r>
             <a:endParaRPr lang="fr-MA" dirty="0"/>
           </a:p>
@@ -21525,11 +21526,7 @@
           <a:p>
             <a:r>
               <a:rPr lang="fr-MA" dirty="0" smtClean="0"/>
-              <a:t>Photos disponibles dans le dossier </a:t>
-            </a:r>
-            <a:r>
-              <a:rPr lang="fr-MA" dirty="0" smtClean="0"/>
-              <a:t>Simulation</a:t>
+              <a:t>Photos disponibles dans le dossier Simulation</a:t>
             </a:r>
             <a:endParaRPr lang="fr-MA" dirty="0"/>
           </a:p>
@@ -21544,7 +21541,7 @@
         <p:spPr>
           <a:xfrm>
             <a:off x="1956619" y="2772697"/>
-            <a:ext cx="8278762" cy="1200329"/>
+            <a:ext cx="8278762" cy="646331"/>
           </a:xfrm>
           <a:prstGeom prst="rect">
             <a:avLst/>
@@ -21559,24 +21556,7 @@
           <a:p>
             <a:r>
               <a:rPr lang="fr-FR" dirty="0" smtClean="0"/>
-              <a:t>Une urgence s’est présenté dans votre entreprise. Le format PSD du UI Style Guide sur lequel on a passé une semaine a </a:t>
-            </a:r>
-            <a:r>
-              <a:rPr lang="fr-FR" dirty="0" err="1" smtClean="0"/>
-              <a:t>pofinné</a:t>
-            </a:r>
-            <a:r>
-              <a:rPr lang="fr-FR" dirty="0" smtClean="0"/>
-              <a:t> a disparu.</a:t>
-            </a:r>
-          </a:p>
-          <a:p>
-            <a:endParaRPr lang="fr-FR" dirty="0"/>
-          </a:p>
-          <a:p>
-            <a:r>
-              <a:rPr lang="fr-FR" dirty="0" smtClean="0"/>
-              <a:t>Reproduisez le même UI à partir d’un format JPEG.</a:t>
+              <a:t>Remettez votre fichier PSD sur lequel vous avez travaillé vos UI sur le Git de la formation.</a:t>
             </a:r>
             <a:endParaRPr lang="fr-MA" dirty="0"/>
           </a:p>
